--- a/仕様書.pptx
+++ b/仕様書.pptx
@@ -206,7 +206,7 @@
           <a:p>
             <a:fld id="{1495C469-D02C-4F84-8143-969B4CE0944B}" type="datetimeFigureOut">
               <a:rPr kumimoji="1" lang="ja-JP" altLang="en-US" smtClean="0"/>
-              <a:t>2019/4/18</a:t>
+              <a:t>2019/4/23</a:t>
             </a:fld>
             <a:endParaRPr kumimoji="1" lang="ja-JP" altLang="en-US"/>
           </a:p>
@@ -889,7 +889,7 @@
           <a:p>
             <a:fld id="{05FCA723-A878-44E1-9329-404204D37C57}" type="datetimeFigureOut">
               <a:rPr kumimoji="1" lang="ja-JP" altLang="en-US" smtClean="0"/>
-              <a:t>2019/4/18</a:t>
+              <a:t>2019/4/23</a:t>
             </a:fld>
             <a:endParaRPr kumimoji="1" lang="ja-JP" altLang="en-US"/>
           </a:p>
@@ -1091,7 +1091,7 @@
           <a:p>
             <a:fld id="{05FCA723-A878-44E1-9329-404204D37C57}" type="datetimeFigureOut">
               <a:rPr kumimoji="1" lang="ja-JP" altLang="en-US" smtClean="0"/>
-              <a:t>2019/4/18</a:t>
+              <a:t>2019/4/23</a:t>
             </a:fld>
             <a:endParaRPr kumimoji="1" lang="ja-JP" altLang="en-US"/>
           </a:p>
@@ -1303,7 +1303,7 @@
           <a:p>
             <a:fld id="{05FCA723-A878-44E1-9329-404204D37C57}" type="datetimeFigureOut">
               <a:rPr kumimoji="1" lang="ja-JP" altLang="en-US" smtClean="0"/>
-              <a:t>2019/4/18</a:t>
+              <a:t>2019/4/23</a:t>
             </a:fld>
             <a:endParaRPr kumimoji="1" lang="ja-JP" altLang="en-US"/>
           </a:p>
@@ -1505,7 +1505,7 @@
           <a:p>
             <a:fld id="{05FCA723-A878-44E1-9329-404204D37C57}" type="datetimeFigureOut">
               <a:rPr kumimoji="1" lang="ja-JP" altLang="en-US" smtClean="0"/>
-              <a:t>2019/4/18</a:t>
+              <a:t>2019/4/23</a:t>
             </a:fld>
             <a:endParaRPr kumimoji="1" lang="ja-JP" altLang="en-US"/>
           </a:p>
@@ -1751,7 +1751,7 @@
           <a:p>
             <a:fld id="{05FCA723-A878-44E1-9329-404204D37C57}" type="datetimeFigureOut">
               <a:rPr kumimoji="1" lang="ja-JP" altLang="en-US" smtClean="0"/>
-              <a:t>2019/4/18</a:t>
+              <a:t>2019/4/23</a:t>
             </a:fld>
             <a:endParaRPr kumimoji="1" lang="ja-JP" altLang="en-US"/>
           </a:p>
@@ -2047,7 +2047,7 @@
           <a:p>
             <a:fld id="{05FCA723-A878-44E1-9329-404204D37C57}" type="datetimeFigureOut">
               <a:rPr kumimoji="1" lang="ja-JP" altLang="en-US" smtClean="0"/>
-              <a:t>2019/4/18</a:t>
+              <a:t>2019/4/23</a:t>
             </a:fld>
             <a:endParaRPr kumimoji="1" lang="ja-JP" altLang="en-US"/>
           </a:p>
@@ -2478,7 +2478,7 @@
           <a:p>
             <a:fld id="{05FCA723-A878-44E1-9329-404204D37C57}" type="datetimeFigureOut">
               <a:rPr kumimoji="1" lang="ja-JP" altLang="en-US" smtClean="0"/>
-              <a:t>2019/4/18</a:t>
+              <a:t>2019/4/23</a:t>
             </a:fld>
             <a:endParaRPr kumimoji="1" lang="ja-JP" altLang="en-US"/>
           </a:p>
@@ -2596,7 +2596,7 @@
           <a:p>
             <a:fld id="{05FCA723-A878-44E1-9329-404204D37C57}" type="datetimeFigureOut">
               <a:rPr kumimoji="1" lang="ja-JP" altLang="en-US" smtClean="0"/>
-              <a:t>2019/4/18</a:t>
+              <a:t>2019/4/23</a:t>
             </a:fld>
             <a:endParaRPr kumimoji="1" lang="ja-JP" altLang="en-US"/>
           </a:p>
@@ -2691,7 +2691,7 @@
           <a:p>
             <a:fld id="{05FCA723-A878-44E1-9329-404204D37C57}" type="datetimeFigureOut">
               <a:rPr kumimoji="1" lang="ja-JP" altLang="en-US" smtClean="0"/>
-              <a:t>2019/4/18</a:t>
+              <a:t>2019/4/23</a:t>
             </a:fld>
             <a:endParaRPr kumimoji="1" lang="ja-JP" altLang="en-US"/>
           </a:p>
@@ -3000,7 +3000,7 @@
           <a:p>
             <a:fld id="{05FCA723-A878-44E1-9329-404204D37C57}" type="datetimeFigureOut">
               <a:rPr kumimoji="1" lang="ja-JP" altLang="en-US" smtClean="0"/>
-              <a:t>2019/4/18</a:t>
+              <a:t>2019/4/23</a:t>
             </a:fld>
             <a:endParaRPr kumimoji="1" lang="ja-JP" altLang="en-US"/>
           </a:p>
@@ -3253,7 +3253,7 @@
           <a:p>
             <a:fld id="{05FCA723-A878-44E1-9329-404204D37C57}" type="datetimeFigureOut">
               <a:rPr kumimoji="1" lang="ja-JP" altLang="en-US" smtClean="0"/>
-              <a:t>2019/4/18</a:t>
+              <a:t>2019/4/23</a:t>
             </a:fld>
             <a:endParaRPr kumimoji="1" lang="ja-JP" altLang="en-US"/>
           </a:p>
@@ -3498,7 +3498,7 @@
           <a:p>
             <a:fld id="{05FCA723-A878-44E1-9329-404204D37C57}" type="datetimeFigureOut">
               <a:rPr kumimoji="1" lang="ja-JP" altLang="en-US" smtClean="0"/>
-              <a:t>2019/4/18</a:t>
+              <a:t>2019/4/23</a:t>
             </a:fld>
             <a:endParaRPr kumimoji="1" lang="ja-JP" altLang="en-US"/>
           </a:p>
@@ -3931,6 +3931,80 @@
           </a:p>
         </p:txBody>
       </p:sp>
+      <p:sp>
+        <p:nvSpPr>
+          <p:cNvPr id="3" name="テキスト ボックス 2"/>
+          <p:cNvSpPr txBox="1"/>
+          <p:nvPr/>
+        </p:nvSpPr>
+        <p:spPr>
+          <a:xfrm>
+            <a:off x="3816439" y="4391695"/>
+            <a:ext cx="6538175" cy="1200329"/>
+          </a:xfrm>
+          <a:prstGeom prst="rect">
+            <a:avLst/>
+          </a:prstGeom>
+          <a:noFill/>
+        </p:spPr>
+        <p:txBody>
+          <a:bodyPr wrap="square" rtlCol="0">
+            <a:spAutoFit/>
+          </a:bodyPr>
+          <a:lstStyle/>
+          <a:p>
+            <a:r>
+              <a:rPr lang="en-US" altLang="ja-JP" sz="7200" dirty="0" smtClean="0">
+                <a:ln>
+                  <a:solidFill>
+                    <a:schemeClr val="accent1"/>
+                  </a:solidFill>
+                </a:ln>
+                <a:solidFill>
+                  <a:srgbClr val="C00000"/>
+                </a:solidFill>
+              </a:rPr>
+              <a:t>PUSH</a:t>
+            </a:r>
+            <a:r>
+              <a:rPr lang="ja-JP" altLang="en-US" sz="7200" dirty="0" smtClean="0">
+                <a:ln>
+                  <a:solidFill>
+                    <a:schemeClr val="accent1"/>
+                  </a:solidFill>
+                </a:ln>
+                <a:solidFill>
+                  <a:srgbClr val="C00000"/>
+                </a:solidFill>
+              </a:rPr>
+              <a:t>　</a:t>
+            </a:r>
+            <a:r>
+              <a:rPr lang="en-US" altLang="ja-JP" sz="7200" dirty="0" smtClean="0">
+                <a:ln>
+                  <a:solidFill>
+                    <a:schemeClr val="accent1"/>
+                  </a:solidFill>
+                </a:ln>
+                <a:solidFill>
+                  <a:srgbClr val="C00000"/>
+                </a:solidFill>
+              </a:rPr>
+              <a:t>SPACEKEY</a:t>
+            </a:r>
+            <a:endParaRPr kumimoji="1" lang="ja-JP" altLang="en-US" sz="7200" dirty="0">
+              <a:ln>
+                <a:solidFill>
+                  <a:schemeClr val="accent1"/>
+                </a:solidFill>
+              </a:ln>
+              <a:solidFill>
+                <a:srgbClr val="C00000"/>
+              </a:solidFill>
+            </a:endParaRPr>
+          </a:p>
+        </p:txBody>
+      </p:sp>
     </p:spTree>
     <p:extLst>
       <p:ext uri="{BB962C8B-B14F-4D97-AF65-F5344CB8AC3E}">
@@ -4043,22 +4117,14 @@
           <a:p>
             <a:r>
               <a:rPr kumimoji="1" lang="ja-JP" altLang="en-US" dirty="0" smtClean="0"/>
-              <a:t>追加アイテムドロップ</a:t>
-            </a:r>
+              <a:t>追加アイテムドロップの確率を決める値を持つ。</a:t>
+            </a:r>
+            <a:endParaRPr lang="en-US" altLang="ja-JP" dirty="0"/>
+          </a:p>
+          <a:p>
             <a:r>
               <a:rPr kumimoji="1" lang="ja-JP" altLang="en-US" dirty="0" smtClean="0"/>
-              <a:t>の確率を決める値を持つ。</a:t>
-            </a:r>
-            <a:endParaRPr lang="en-US" altLang="ja-JP" dirty="0"/>
-          </a:p>
-          <a:p>
-            <a:r>
-              <a:rPr kumimoji="1" lang="ja-JP" altLang="en-US" dirty="0" smtClean="0"/>
-              <a:t>落とす</a:t>
-            </a:r>
-            <a:r>
-              <a:rPr kumimoji="1" lang="ja-JP" altLang="en-US" dirty="0" smtClean="0"/>
-              <a:t>装備の種類ランダムでレアリティはモンスターのレアリティと同じ。</a:t>
+              <a:t>落とす装備の種類ランダムでレアリティはモンスターのレアリティと同じ。</a:t>
             </a:r>
             <a:endParaRPr lang="en-US" altLang="ja-JP" dirty="0" smtClean="0"/>
           </a:p>

--- a/仕様書.pptx
+++ b/仕様書.pptx
@@ -206,7 +206,7 @@
           <a:p>
             <a:fld id="{1495C469-D02C-4F84-8143-969B4CE0944B}" type="datetimeFigureOut">
               <a:rPr kumimoji="1" lang="ja-JP" altLang="en-US" smtClean="0"/>
-              <a:t>2019/4/23</a:t>
+              <a:t>2019/5/9</a:t>
             </a:fld>
             <a:endParaRPr kumimoji="1" lang="ja-JP" altLang="en-US"/>
           </a:p>
@@ -889,7 +889,7 @@
           <a:p>
             <a:fld id="{05FCA723-A878-44E1-9329-404204D37C57}" type="datetimeFigureOut">
               <a:rPr kumimoji="1" lang="ja-JP" altLang="en-US" smtClean="0"/>
-              <a:t>2019/4/23</a:t>
+              <a:t>2019/5/9</a:t>
             </a:fld>
             <a:endParaRPr kumimoji="1" lang="ja-JP" altLang="en-US"/>
           </a:p>
@@ -1091,7 +1091,7 @@
           <a:p>
             <a:fld id="{05FCA723-A878-44E1-9329-404204D37C57}" type="datetimeFigureOut">
               <a:rPr kumimoji="1" lang="ja-JP" altLang="en-US" smtClean="0"/>
-              <a:t>2019/4/23</a:t>
+              <a:t>2019/5/9</a:t>
             </a:fld>
             <a:endParaRPr kumimoji="1" lang="ja-JP" altLang="en-US"/>
           </a:p>
@@ -1303,7 +1303,7 @@
           <a:p>
             <a:fld id="{05FCA723-A878-44E1-9329-404204D37C57}" type="datetimeFigureOut">
               <a:rPr kumimoji="1" lang="ja-JP" altLang="en-US" smtClean="0"/>
-              <a:t>2019/4/23</a:t>
+              <a:t>2019/5/9</a:t>
             </a:fld>
             <a:endParaRPr kumimoji="1" lang="ja-JP" altLang="en-US"/>
           </a:p>
@@ -1505,7 +1505,7 @@
           <a:p>
             <a:fld id="{05FCA723-A878-44E1-9329-404204D37C57}" type="datetimeFigureOut">
               <a:rPr kumimoji="1" lang="ja-JP" altLang="en-US" smtClean="0"/>
-              <a:t>2019/4/23</a:t>
+              <a:t>2019/5/9</a:t>
             </a:fld>
             <a:endParaRPr kumimoji="1" lang="ja-JP" altLang="en-US"/>
           </a:p>
@@ -1751,7 +1751,7 @@
           <a:p>
             <a:fld id="{05FCA723-A878-44E1-9329-404204D37C57}" type="datetimeFigureOut">
               <a:rPr kumimoji="1" lang="ja-JP" altLang="en-US" smtClean="0"/>
-              <a:t>2019/4/23</a:t>
+              <a:t>2019/5/9</a:t>
             </a:fld>
             <a:endParaRPr kumimoji="1" lang="ja-JP" altLang="en-US"/>
           </a:p>
@@ -2047,7 +2047,7 @@
           <a:p>
             <a:fld id="{05FCA723-A878-44E1-9329-404204D37C57}" type="datetimeFigureOut">
               <a:rPr kumimoji="1" lang="ja-JP" altLang="en-US" smtClean="0"/>
-              <a:t>2019/4/23</a:t>
+              <a:t>2019/5/9</a:t>
             </a:fld>
             <a:endParaRPr kumimoji="1" lang="ja-JP" altLang="en-US"/>
           </a:p>
@@ -2478,7 +2478,7 @@
           <a:p>
             <a:fld id="{05FCA723-A878-44E1-9329-404204D37C57}" type="datetimeFigureOut">
               <a:rPr kumimoji="1" lang="ja-JP" altLang="en-US" smtClean="0"/>
-              <a:t>2019/4/23</a:t>
+              <a:t>2019/5/9</a:t>
             </a:fld>
             <a:endParaRPr kumimoji="1" lang="ja-JP" altLang="en-US"/>
           </a:p>
@@ -2596,7 +2596,7 @@
           <a:p>
             <a:fld id="{05FCA723-A878-44E1-9329-404204D37C57}" type="datetimeFigureOut">
               <a:rPr kumimoji="1" lang="ja-JP" altLang="en-US" smtClean="0"/>
-              <a:t>2019/4/23</a:t>
+              <a:t>2019/5/9</a:t>
             </a:fld>
             <a:endParaRPr kumimoji="1" lang="ja-JP" altLang="en-US"/>
           </a:p>
@@ -2691,7 +2691,7 @@
           <a:p>
             <a:fld id="{05FCA723-A878-44E1-9329-404204D37C57}" type="datetimeFigureOut">
               <a:rPr kumimoji="1" lang="ja-JP" altLang="en-US" smtClean="0"/>
-              <a:t>2019/4/23</a:t>
+              <a:t>2019/5/9</a:t>
             </a:fld>
             <a:endParaRPr kumimoji="1" lang="ja-JP" altLang="en-US"/>
           </a:p>
@@ -3000,7 +3000,7 @@
           <a:p>
             <a:fld id="{05FCA723-A878-44E1-9329-404204D37C57}" type="datetimeFigureOut">
               <a:rPr kumimoji="1" lang="ja-JP" altLang="en-US" smtClean="0"/>
-              <a:t>2019/4/23</a:t>
+              <a:t>2019/5/9</a:t>
             </a:fld>
             <a:endParaRPr kumimoji="1" lang="ja-JP" altLang="en-US"/>
           </a:p>
@@ -3253,7 +3253,7 @@
           <a:p>
             <a:fld id="{05FCA723-A878-44E1-9329-404204D37C57}" type="datetimeFigureOut">
               <a:rPr kumimoji="1" lang="ja-JP" altLang="en-US" smtClean="0"/>
-              <a:t>2019/4/23</a:t>
+              <a:t>2019/5/9</a:t>
             </a:fld>
             <a:endParaRPr kumimoji="1" lang="ja-JP" altLang="en-US"/>
           </a:p>
@@ -3498,7 +3498,7 @@
           <a:p>
             <a:fld id="{05FCA723-A878-44E1-9329-404204D37C57}" type="datetimeFigureOut">
               <a:rPr kumimoji="1" lang="ja-JP" altLang="en-US" smtClean="0"/>
-              <a:t>2019/4/23</a:t>
+              <a:t>2019/5/9</a:t>
             </a:fld>
             <a:endParaRPr kumimoji="1" lang="ja-JP" altLang="en-US"/>
           </a:p>
@@ -6786,7 +6786,11 @@
             </a:r>
             <a:r>
               <a:rPr lang="ja-JP" altLang="en-US" dirty="0" smtClean="0"/>
-              <a:t>敵の攻撃力 </a:t>
+              <a:t>敵の</a:t>
+            </a:r>
+            <a:r>
+              <a:rPr lang="ja-JP" altLang="en-US" dirty="0" smtClean="0"/>
+              <a:t>攻撃力 </a:t>
             </a:r>
             <a:r>
               <a:rPr lang="en-US" altLang="ja-JP" dirty="0"/>
@@ -6794,19 +6798,15 @@
             </a:r>
             <a:r>
               <a:rPr lang="en-US" altLang="ja-JP" dirty="0" smtClean="0"/>
-              <a:t>(</a:t>
-            </a:r>
-            <a:r>
-              <a:rPr lang="en-US" altLang="ja-JP" dirty="0"/>
-              <a:t>(</a:t>
-            </a:r>
-            <a:r>
-              <a:rPr lang="en-US" altLang="ja-JP" dirty="0" smtClean="0"/>
-              <a:t>(</a:t>
+              <a:t>(((</a:t>
             </a:r>
             <a:r>
               <a:rPr lang="ja-JP" altLang="en-US" dirty="0" smtClean="0"/>
-              <a:t>敵の攻撃力 </a:t>
+              <a:t>敵の</a:t>
+            </a:r>
+            <a:r>
+              <a:rPr lang="ja-JP" altLang="en-US" dirty="0" smtClean="0"/>
+              <a:t>攻撃力 </a:t>
             </a:r>
             <a:r>
               <a:rPr lang="en-US" altLang="ja-JP" dirty="0"/>
@@ -6814,7 +6814,11 @@
             </a:r>
             <a:r>
               <a:rPr lang="ja-JP" altLang="en-US" dirty="0"/>
-              <a:t>　レアリティ</a:t>
+              <a:t>　</a:t>
+            </a:r>
+            <a:r>
+              <a:rPr lang="ja-JP" altLang="en-US" dirty="0" smtClean="0"/>
+              <a:t>プレイヤーのレアリティ</a:t>
             </a:r>
             <a:r>
               <a:rPr lang="en-US" altLang="ja-JP" dirty="0"/>
@@ -6840,7 +6844,11 @@
             </a:pPr>
             <a:r>
               <a:rPr lang="ja-JP" altLang="en-US" dirty="0" smtClean="0"/>
-              <a:t>ただしダメージ量は</a:t>
+              <a:t>ただし</a:t>
+            </a:r>
+            <a:r>
+              <a:rPr lang="ja-JP" altLang="en-US" dirty="0" smtClean="0"/>
+              <a:t>ダメージ量は</a:t>
             </a:r>
             <a:r>
               <a:rPr lang="en-US" altLang="ja-JP" dirty="0" smtClean="0"/>
